--- a/Unity/Lesson12/Jump.pptx
+++ b/Unity/Lesson12/Jump.pptx
@@ -5,16 +5,21 @@
     <p:sldMasterId id="2147483673" r:id="rId1"/>
   </p:sldMasterIdLst>
   <p:notesMasterIdLst>
-    <p:notesMasterId r:id="rId6"/>
+    <p:notesMasterId r:id="rId11"/>
   </p:notesMasterIdLst>
   <p:handoutMasterIdLst>
-    <p:handoutMasterId r:id="rId7"/>
+    <p:handoutMasterId r:id="rId12"/>
   </p:handoutMasterIdLst>
   <p:sldIdLst>
     <p:sldId id="257" r:id="rId2"/>
     <p:sldId id="263" r:id="rId3"/>
     <p:sldId id="275" r:id="rId4"/>
     <p:sldId id="276" r:id="rId5"/>
+    <p:sldId id="277" r:id="rId6"/>
+    <p:sldId id="278" r:id="rId7"/>
+    <p:sldId id="279" r:id="rId8"/>
+    <p:sldId id="280" r:id="rId9"/>
+    <p:sldId id="281" r:id="rId10"/>
   </p:sldIdLst>
   <p:sldSz cx="12192000" cy="6858000"/>
   <p:notesSz cx="6858000" cy="9144000"/>
@@ -227,7 +232,7 @@
             <a:pPr rtl="0"/>
             <a:fld id="{6B5C320A-F5C8-4FD6-86FF-35D2EBF085B6}" type="datetime1">
               <a:rPr lang="ru-RU" smtClean="0"/>
-              <a:t>15.11.2020</a:t>
+              <a:t>16.11.2020</a:t>
             </a:fld>
             <a:endParaRPr lang="en-US" dirty="0"/>
           </a:p>
@@ -397,7 +402,7 @@
             <a:pPr rtl="0"/>
             <a:fld id="{15C702C7-E599-40D9-B30E-0392896973B5}" type="datetime1">
               <a:rPr lang="ru-RU" smtClean="0"/>
-              <a:t>15.11.2020</a:t>
+              <a:t>16.11.2020</a:t>
             </a:fld>
             <a:endParaRPr lang="en-US"/>
           </a:p>
@@ -1142,7 +1147,7 @@
             <a:pPr rtl="0"/>
             <a:fld id="{6506E9A3-1561-45B7-908B-DACC52528ABB}" type="datetime1">
               <a:rPr lang="ru-RU" smtClean="0"/>
-              <a:t>15.11.2020</a:t>
+              <a:t>16.11.2020</a:t>
             </a:fld>
             <a:endParaRPr lang="en-US" dirty="0"/>
           </a:p>
@@ -1348,7 +1353,7 @@
             <a:pPr rtl="0"/>
             <a:fld id="{3E92B999-6CB2-48D4-8AF6-3D1A5D13436B}" type="datetime1">
               <a:rPr lang="ru-RU" smtClean="0"/>
-              <a:t>15.11.2020</a:t>
+              <a:t>16.11.2020</a:t>
             </a:fld>
             <a:endParaRPr lang="en-US"/>
           </a:p>
@@ -1532,7 +1537,7 @@
             <a:pPr rtl="0"/>
             <a:fld id="{B52C98DB-1092-48C4-AD4E-BD3E9D2E2345}" type="datetime1">
               <a:rPr lang="ru-RU" smtClean="0"/>
-              <a:t>15.11.2020</a:t>
+              <a:t>16.11.2020</a:t>
             </a:fld>
             <a:endParaRPr lang="en-US"/>
           </a:p>
@@ -1706,7 +1711,7 @@
             <a:pPr rtl="0"/>
             <a:fld id="{629C2F20-7994-4D1E-A01C-96ECBA4612EB}" type="datetime1">
               <a:rPr lang="ru-RU" smtClean="0"/>
-              <a:t>15.11.2020</a:t>
+              <a:t>16.11.2020</a:t>
             </a:fld>
             <a:endParaRPr lang="en-US"/>
           </a:p>
@@ -2309,7 +2314,7 @@
             <a:pPr rtl="0"/>
             <a:fld id="{7B2CE4EA-3B49-4A00-ADF3-7C7272A626C1}" type="datetime1">
               <a:rPr lang="ru-RU" smtClean="0"/>
-              <a:t>15.11.2020</a:t>
+              <a:t>16.11.2020</a:t>
             </a:fld>
             <a:endParaRPr lang="en-US" dirty="0"/>
           </a:p>
@@ -2633,7 +2638,7 @@
             <a:pPr rtl="0"/>
             <a:fld id="{9A16848F-27AD-43B9-904C-1CF05D24EB3C}" type="datetime1">
               <a:rPr lang="ru-RU" smtClean="0"/>
-              <a:t>15.11.2020</a:t>
+              <a:t>16.11.2020</a:t>
             </a:fld>
             <a:endParaRPr lang="en-US"/>
           </a:p>
@@ -3074,7 +3079,7 @@
             <a:pPr rtl="0"/>
             <a:fld id="{23090412-2DE5-405A-816E-F08FB54EB168}" type="datetime1">
               <a:rPr lang="ru-RU" smtClean="0"/>
-              <a:t>15.11.2020</a:t>
+              <a:t>16.11.2020</a:t>
             </a:fld>
             <a:endParaRPr lang="en-US"/>
           </a:p>
@@ -3196,7 +3201,7 @@
             <a:pPr rtl="0"/>
             <a:fld id="{F4C2D7CB-4DC1-4BB7-BF00-4C36160857E0}" type="datetime1">
               <a:rPr lang="ru-RU" smtClean="0"/>
-              <a:t>15.11.2020</a:t>
+              <a:t>16.11.2020</a:t>
             </a:fld>
             <a:endParaRPr lang="en-US"/>
           </a:p>
@@ -3294,7 +3299,7 @@
             <a:pPr rtl="0"/>
             <a:fld id="{4060D38F-E364-4ED4-9BF4-D7F00FFBE76A}" type="datetime1">
               <a:rPr lang="ru-RU" smtClean="0"/>
-              <a:t>15.11.2020</a:t>
+              <a:t>16.11.2020</a:t>
             </a:fld>
             <a:endParaRPr lang="en-US"/>
           </a:p>
@@ -3715,7 +3720,7 @@
             <a:pPr rtl="0"/>
             <a:fld id="{F183FEFD-AB08-4CB5-AE4D-2F6B12D8E3B0}" type="datetime1">
               <a:rPr lang="ru-RU" smtClean="0"/>
-              <a:t>15.11.2020</a:t>
+              <a:t>16.11.2020</a:t>
             </a:fld>
             <a:endParaRPr lang="en-US"/>
           </a:p>
@@ -3980,7 +3985,7 @@
             <a:pPr rtl="0"/>
             <a:fld id="{EBEA1583-5CEF-4E36-A7FC-D34B7E954D76}" type="datetime1">
               <a:rPr lang="ru-RU" smtClean="0"/>
-              <a:t>15.11.2020</a:t>
+              <a:t>16.11.2020</a:t>
             </a:fld>
             <a:endParaRPr lang="en-US" dirty="0"/>
           </a:p>
@@ -4500,7 +4505,7 @@
             <a:pPr rtl="0"/>
             <a:fld id="{1068A786-B8BF-4988-ACBA-DD9B5BC8D522}" type="datetime1">
               <a:rPr lang="ru-RU" smtClean="0"/>
-              <a:t>15.11.2020</a:t>
+              <a:t>16.11.2020</a:t>
             </a:fld>
             <a:endParaRPr lang="en-US" dirty="0"/>
           </a:p>
@@ -5250,7 +5255,7 @@
         </p:nvSpPr>
         <p:spPr>
           <a:xfrm>
-            <a:off x="4165300" y="1935331"/>
+            <a:off x="4342854" y="2121762"/>
             <a:ext cx="4667983" cy="2350309"/>
           </a:xfrm>
           <a:prstGeom prst="rect">
@@ -5287,11 +5292,8 @@
           <a:p>
             <a:r>
               <a:rPr lang="en-US" sz="2800" b="1" dirty="0"/>
-              <a:t>https://goo.su/2pRa</a:t>
-            </a:r>
-            <a:endParaRPr lang="ru-RU" sz="2800" b="1" dirty="0"/>
-          </a:p>
-          <a:p>
+              <a:t>https://goo.su/320E</a:t>
+            </a:r>
             <a:endParaRPr lang="ru-RU" sz="2800" dirty="0">
               <a:solidFill>
                 <a:srgbClr val="FFC000"/>
@@ -6127,6 +6129,1483 @@
     <p:extLst>
       <p:ext uri="{BB962C8B-B14F-4D97-AF65-F5344CB8AC3E}">
         <p14:creationId xmlns:p14="http://schemas.microsoft.com/office/powerpoint/2010/main" val="1200029013"/>
+      </p:ext>
+    </p:extLst>
+  </p:cSld>
+  <p:clrMapOvr>
+    <a:masterClrMapping/>
+  </p:clrMapOvr>
+</p:sld>
+</file>
+
+<file path=ppt/slides/slide5.xml><?xml version="1.0" encoding="utf-8"?>
+<p:sld xmlns:a="http://schemas.openxmlformats.org/drawingml/2006/main" xmlns:r="http://schemas.openxmlformats.org/officeDocument/2006/relationships" xmlns:p="http://schemas.openxmlformats.org/presentationml/2006/main">
+  <p:cSld>
+    <p:bg>
+      <p:bgPr>
+        <a:solidFill>
+          <a:schemeClr val="bg1"/>
+        </a:solidFill>
+        <a:effectLst/>
+      </p:bgPr>
+    </p:bg>
+    <p:spTree>
+      <p:nvGrpSpPr>
+        <p:cNvPr id="1" name=""/>
+        <p:cNvGrpSpPr/>
+        <p:nvPr/>
+      </p:nvGrpSpPr>
+      <p:grpSpPr>
+        <a:xfrm>
+          <a:off x="0" y="0"/>
+          <a:ext cx="0" cy="0"/>
+          <a:chOff x="0" y="0"/>
+          <a:chExt cx="0" cy="0"/>
+        </a:xfrm>
+      </p:grpSpPr>
+      <p:sp>
+        <p:nvSpPr>
+          <p:cNvPr id="4" name="Заголовок 3">
+            <a:extLst>
+              <a:ext uri="{FF2B5EF4-FFF2-40B4-BE49-F238E27FC236}">
+                <a16:creationId xmlns:a16="http://schemas.microsoft.com/office/drawing/2014/main" id="{4A115AD6-B700-4B08-BB76-3A31B864B8AF}"/>
+              </a:ext>
+            </a:extLst>
+          </p:cNvPr>
+          <p:cNvSpPr>
+            <a:spLocks noGrp="1"/>
+          </p:cNvSpPr>
+          <p:nvPr>
+            <p:ph type="title"/>
+          </p:nvPr>
+        </p:nvSpPr>
+        <p:spPr>
+          <a:xfrm>
+            <a:off x="4847873" y="445938"/>
+            <a:ext cx="3105853" cy="976911"/>
+          </a:xfrm>
+        </p:spPr>
+        <p:txBody>
+          <a:bodyPr/>
+          <a:lstStyle/>
+          <a:p>
+            <a:r>
+              <a:rPr lang="ru-RU" b="1" dirty="0">
+                <a:solidFill>
+                  <a:schemeClr val="accent5">
+                    <a:lumMod val="75000"/>
+                  </a:schemeClr>
+                </a:solidFill>
+              </a:rPr>
+              <a:t>Стрельба</a:t>
+            </a:r>
+          </a:p>
+        </p:txBody>
+      </p:sp>
+      <p:pic>
+        <p:nvPicPr>
+          <p:cNvPr id="2" name="Рисунок 1">
+            <a:extLst>
+              <a:ext uri="{FF2B5EF4-FFF2-40B4-BE49-F238E27FC236}">
+                <a16:creationId xmlns:a16="http://schemas.microsoft.com/office/drawing/2014/main" id="{B2D5A266-5818-4168-9716-39046CEEBCF8}"/>
+              </a:ext>
+            </a:extLst>
+          </p:cNvPr>
+          <p:cNvPicPr>
+            <a:picLocks noChangeAspect="1"/>
+          </p:cNvPicPr>
+          <p:nvPr/>
+        </p:nvPicPr>
+        <p:blipFill>
+          <a:blip r:embed="rId2">
+            <a:extLst>
+              <a:ext uri="{28A0092B-C50C-407E-A947-70E740481C1C}">
+                <a14:useLocalDpi xmlns:a14="http://schemas.microsoft.com/office/drawing/2010/main" val="0"/>
+              </a:ext>
+            </a:extLst>
+          </a:blip>
+          <a:stretch>
+            <a:fillRect/>
+          </a:stretch>
+        </p:blipFill>
+        <p:spPr>
+          <a:xfrm>
+            <a:off x="4759659" y="1851388"/>
+            <a:ext cx="762000" cy="1047750"/>
+          </a:xfrm>
+          <a:prstGeom prst="rect">
+            <a:avLst/>
+          </a:prstGeom>
+        </p:spPr>
+      </p:pic>
+      <p:pic>
+        <p:nvPicPr>
+          <p:cNvPr id="3" name="Рисунок 2">
+            <a:extLst>
+              <a:ext uri="{FF2B5EF4-FFF2-40B4-BE49-F238E27FC236}">
+                <a16:creationId xmlns:a16="http://schemas.microsoft.com/office/drawing/2014/main" id="{151FF3F6-3691-4563-B543-2BBC2D56BE8A}"/>
+              </a:ext>
+            </a:extLst>
+          </p:cNvPr>
+          <p:cNvPicPr>
+            <a:picLocks noChangeAspect="1"/>
+          </p:cNvPicPr>
+          <p:nvPr/>
+        </p:nvPicPr>
+        <p:blipFill>
+          <a:blip r:embed="rId3">
+            <a:extLst>
+              <a:ext uri="{28A0092B-C50C-407E-A947-70E740481C1C}">
+                <a14:useLocalDpi xmlns:a14="http://schemas.microsoft.com/office/drawing/2010/main" val="0"/>
+              </a:ext>
+            </a:extLst>
+          </a:blip>
+          <a:stretch>
+            <a:fillRect/>
+          </a:stretch>
+        </p:blipFill>
+        <p:spPr>
+          <a:xfrm>
+            <a:off x="3629358" y="2899138"/>
+            <a:ext cx="5350120" cy="895350"/>
+          </a:xfrm>
+          <a:prstGeom prst="rect">
+            <a:avLst/>
+          </a:prstGeom>
+        </p:spPr>
+      </p:pic>
+      <p:pic>
+        <p:nvPicPr>
+          <p:cNvPr id="8" name="Рисунок 7">
+            <a:extLst>
+              <a:ext uri="{FF2B5EF4-FFF2-40B4-BE49-F238E27FC236}">
+                <a16:creationId xmlns:a16="http://schemas.microsoft.com/office/drawing/2014/main" id="{CBDF88C9-3197-4A5D-BF54-DDFEB7BADEBC}"/>
+              </a:ext>
+            </a:extLst>
+          </p:cNvPr>
+          <p:cNvPicPr>
+            <a:picLocks noChangeAspect="1"/>
+          </p:cNvPicPr>
+          <p:nvPr/>
+        </p:nvPicPr>
+        <p:blipFill>
+          <a:blip r:embed="rId4">
+            <a:extLst>
+              <a:ext uri="{28A0092B-C50C-407E-A947-70E740481C1C}">
+                <a14:useLocalDpi xmlns:a14="http://schemas.microsoft.com/office/drawing/2010/main" val="0"/>
+              </a:ext>
+            </a:extLst>
+          </a:blip>
+          <a:stretch>
+            <a:fillRect/>
+          </a:stretch>
+        </p:blipFill>
+        <p:spPr>
+          <a:xfrm>
+            <a:off x="5703322" y="1678759"/>
+            <a:ext cx="2130781" cy="1668054"/>
+          </a:xfrm>
+          <a:prstGeom prst="rect">
+            <a:avLst/>
+          </a:prstGeom>
+        </p:spPr>
+      </p:pic>
+    </p:spTree>
+    <p:extLst>
+      <p:ext uri="{BB962C8B-B14F-4D97-AF65-F5344CB8AC3E}">
+        <p14:creationId xmlns:p14="http://schemas.microsoft.com/office/powerpoint/2010/main" val="294966297"/>
+      </p:ext>
+    </p:extLst>
+  </p:cSld>
+  <p:clrMapOvr>
+    <a:masterClrMapping/>
+  </p:clrMapOvr>
+</p:sld>
+</file>
+
+<file path=ppt/slides/slide6.xml><?xml version="1.0" encoding="utf-8"?>
+<p:sld xmlns:a="http://schemas.openxmlformats.org/drawingml/2006/main" xmlns:r="http://schemas.openxmlformats.org/officeDocument/2006/relationships" xmlns:p="http://schemas.openxmlformats.org/presentationml/2006/main">
+  <p:cSld>
+    <p:bg>
+      <p:bgPr>
+        <a:solidFill>
+          <a:schemeClr val="bg1"/>
+        </a:solidFill>
+        <a:effectLst/>
+      </p:bgPr>
+    </p:bg>
+    <p:spTree>
+      <p:nvGrpSpPr>
+        <p:cNvPr id="1" name=""/>
+        <p:cNvGrpSpPr/>
+        <p:nvPr/>
+      </p:nvGrpSpPr>
+      <p:grpSpPr>
+        <a:xfrm>
+          <a:off x="0" y="0"/>
+          <a:ext cx="0" cy="0"/>
+          <a:chOff x="0" y="0"/>
+          <a:chExt cx="0" cy="0"/>
+        </a:xfrm>
+      </p:grpSpPr>
+      <p:sp>
+        <p:nvSpPr>
+          <p:cNvPr id="4" name="Заголовок 3">
+            <a:extLst>
+              <a:ext uri="{FF2B5EF4-FFF2-40B4-BE49-F238E27FC236}">
+                <a16:creationId xmlns:a16="http://schemas.microsoft.com/office/drawing/2014/main" id="{4A115AD6-B700-4B08-BB76-3A31B864B8AF}"/>
+              </a:ext>
+            </a:extLst>
+          </p:cNvPr>
+          <p:cNvSpPr>
+            <a:spLocks noGrp="1"/>
+          </p:cNvSpPr>
+          <p:nvPr>
+            <p:ph type="title"/>
+          </p:nvPr>
+        </p:nvSpPr>
+        <p:spPr>
+          <a:xfrm>
+            <a:off x="3995616" y="570225"/>
+            <a:ext cx="4606845" cy="976911"/>
+          </a:xfrm>
+        </p:spPr>
+        <p:txBody>
+          <a:bodyPr>
+            <a:normAutofit/>
+          </a:bodyPr>
+          <a:lstStyle/>
+          <a:p>
+            <a:r>
+              <a:rPr lang="ru-RU" b="1" dirty="0">
+                <a:solidFill>
+                  <a:schemeClr val="accent5">
+                    <a:lumMod val="75000"/>
+                  </a:schemeClr>
+                </a:solidFill>
+              </a:rPr>
+              <a:t>Стрельба</a:t>
+            </a:r>
+            <a:r>
+              <a:rPr lang="en-US" b="1" dirty="0">
+                <a:solidFill>
+                  <a:schemeClr val="accent5">
+                    <a:lumMod val="75000"/>
+                  </a:schemeClr>
+                </a:solidFill>
+              </a:rPr>
+              <a:t>. </a:t>
+            </a:r>
+            <a:r>
+              <a:rPr lang="ru-RU" b="1" dirty="0">
+                <a:solidFill>
+                  <a:schemeClr val="accent5">
+                    <a:lumMod val="75000"/>
+                  </a:schemeClr>
+                </a:solidFill>
+              </a:rPr>
+              <a:t>Шаг 1</a:t>
+            </a:r>
+          </a:p>
+        </p:txBody>
+      </p:sp>
+      <p:pic>
+        <p:nvPicPr>
+          <p:cNvPr id="8" name="Рисунок 7">
+            <a:extLst>
+              <a:ext uri="{FF2B5EF4-FFF2-40B4-BE49-F238E27FC236}">
+                <a16:creationId xmlns:a16="http://schemas.microsoft.com/office/drawing/2014/main" id="{CBDF88C9-3197-4A5D-BF54-DDFEB7BADEBC}"/>
+              </a:ext>
+            </a:extLst>
+          </p:cNvPr>
+          <p:cNvPicPr>
+            <a:picLocks noChangeAspect="1"/>
+          </p:cNvPicPr>
+          <p:nvPr/>
+        </p:nvPicPr>
+        <p:blipFill>
+          <a:blip r:embed="rId2">
+            <a:extLst>
+              <a:ext uri="{28A0092B-C50C-407E-A947-70E740481C1C}">
+                <a14:useLocalDpi xmlns:a14="http://schemas.microsoft.com/office/drawing/2010/main" val="0"/>
+              </a:ext>
+            </a:extLst>
+          </a:blip>
+          <a:stretch>
+            <a:fillRect/>
+          </a:stretch>
+        </p:blipFill>
+        <p:spPr>
+          <a:xfrm>
+            <a:off x="1101491" y="2914297"/>
+            <a:ext cx="2130781" cy="1668054"/>
+          </a:xfrm>
+          <a:prstGeom prst="rect">
+            <a:avLst/>
+          </a:prstGeom>
+        </p:spPr>
+      </p:pic>
+      <p:sp>
+        <p:nvSpPr>
+          <p:cNvPr id="6" name="Заголовок 3">
+            <a:extLst>
+              <a:ext uri="{FF2B5EF4-FFF2-40B4-BE49-F238E27FC236}">
+                <a16:creationId xmlns:a16="http://schemas.microsoft.com/office/drawing/2014/main" id="{9580343B-9FEA-4922-9AAA-7BFF415C742E}"/>
+              </a:ext>
+            </a:extLst>
+          </p:cNvPr>
+          <p:cNvSpPr txBox="1">
+            <a:spLocks/>
+          </p:cNvSpPr>
+          <p:nvPr/>
+        </p:nvSpPr>
+        <p:spPr>
+          <a:xfrm>
+            <a:off x="4084394" y="1351611"/>
+            <a:ext cx="7625256" cy="4427752"/>
+          </a:xfrm>
+          <a:prstGeom prst="rect">
+            <a:avLst/>
+          </a:prstGeom>
+        </p:spPr>
+        <p:txBody>
+          <a:bodyPr vert="horz" lIns="91440" tIns="45720" rIns="91440" bIns="45720" rtlCol="0" anchor="ctr">
+            <a:normAutofit lnSpcReduction="10000"/>
+          </a:bodyPr>
+          <a:lstStyle>
+            <a:lvl1pPr algn="l" defTabSz="914400" rtl="0" eaLnBrk="1" latinLnBrk="0" hangingPunct="1">
+              <a:lnSpc>
+                <a:spcPct val="90000"/>
+              </a:lnSpc>
+              <a:spcBef>
+                <a:spcPct val="0"/>
+              </a:spcBef>
+              <a:buNone/>
+              <a:defRPr lang="en-US" sz="4000" i="0" kern="1200" cap="none" spc="0" baseline="0" dirty="0">
+                <a:solidFill>
+                  <a:schemeClr val="tx1">
+                    <a:lumMod val="85000"/>
+                    <a:lumOff val="15000"/>
+                  </a:schemeClr>
+                </a:solidFill>
+                <a:effectLst/>
+                <a:latin typeface="+mj-lt"/>
+                <a:ea typeface="+mn-ea"/>
+                <a:cs typeface="+mn-cs"/>
+              </a:defRPr>
+            </a:lvl1pPr>
+          </a:lstStyle>
+          <a:p>
+            <a:r>
+              <a:rPr lang="ru-RU" sz="2800" b="1" dirty="0"/>
+              <a:t>Создание </a:t>
+            </a:r>
+            <a:r>
+              <a:rPr lang="ru-RU" sz="2800" b="1" dirty="0" err="1"/>
+              <a:t>префаба</a:t>
+            </a:r>
+            <a:r>
+              <a:rPr lang="ru-RU" sz="2800" b="1" dirty="0"/>
+              <a:t> снаряда:</a:t>
+            </a:r>
+          </a:p>
+          <a:p>
+            <a:endParaRPr lang="ru-RU" sz="2800" b="1" dirty="0"/>
+          </a:p>
+          <a:p>
+            <a:r>
+              <a:rPr lang="ru-RU" sz="2400" dirty="0"/>
+              <a:t>1 Импорт спрайта на сцену</a:t>
+            </a:r>
+          </a:p>
+          <a:p>
+            <a:endParaRPr lang="ru-RU" sz="2400" dirty="0"/>
+          </a:p>
+          <a:p>
+            <a:r>
+              <a:rPr lang="ru-RU" sz="2400" dirty="0"/>
+              <a:t>2 Компонент </a:t>
+            </a:r>
+            <a:r>
+              <a:rPr lang="en-US" sz="2400" dirty="0"/>
+              <a:t>"Rigidbody 2D" </a:t>
+            </a:r>
+            <a:endParaRPr lang="ru-RU" sz="2400" dirty="0"/>
+          </a:p>
+          <a:p>
+            <a:r>
+              <a:rPr lang="ru-RU" sz="2400" dirty="0"/>
+              <a:t>	- </a:t>
+            </a:r>
+            <a:r>
+              <a:rPr lang="en-US" sz="2400" dirty="0"/>
+              <a:t>Gravity Scale</a:t>
+            </a:r>
+            <a:r>
+              <a:rPr lang="ru-RU" sz="2400" dirty="0"/>
+              <a:t> = 0</a:t>
+            </a:r>
+            <a:endParaRPr lang="en-US" sz="2400" dirty="0"/>
+          </a:p>
+          <a:p>
+            <a:endParaRPr lang="en-US" sz="2800" dirty="0">
+              <a:solidFill>
+                <a:srgbClr val="FFC000"/>
+              </a:solidFill>
+            </a:endParaRPr>
+          </a:p>
+          <a:p>
+            <a:r>
+              <a:rPr lang="en-US" sz="2400" dirty="0"/>
+              <a:t>3 Box Collider 2D</a:t>
+            </a:r>
+          </a:p>
+          <a:p>
+            <a:r>
+              <a:rPr lang="en-US" sz="2400" dirty="0"/>
+              <a:t>	- </a:t>
+            </a:r>
+            <a:r>
+              <a:rPr lang="en-US" sz="2400" dirty="0" err="1"/>
+              <a:t>isTrigger</a:t>
+            </a:r>
+            <a:r>
+              <a:rPr lang="en-US" sz="2400" dirty="0"/>
+              <a:t> = true;</a:t>
+            </a:r>
+          </a:p>
+          <a:p>
+            <a:endParaRPr lang="en-US" sz="2400" dirty="0"/>
+          </a:p>
+          <a:p>
+            <a:r>
+              <a:rPr lang="en-US" sz="2400" dirty="0"/>
+              <a:t>4 </a:t>
+            </a:r>
+            <a:r>
+              <a:rPr lang="ru-RU" sz="2400" dirty="0"/>
+              <a:t>Задаем </a:t>
+            </a:r>
+            <a:r>
+              <a:rPr lang="en-US" sz="2400" dirty="0"/>
+              <a:t>Tag =  Bullet</a:t>
+            </a:r>
+          </a:p>
+          <a:p>
+            <a:endParaRPr lang="en-US" sz="2400" dirty="0"/>
+          </a:p>
+          <a:p>
+            <a:r>
+              <a:rPr lang="en-US" sz="2400" dirty="0"/>
+              <a:t>5</a:t>
+            </a:r>
+            <a:r>
+              <a:rPr lang="ru-RU" sz="2400" dirty="0"/>
+              <a:t> Создаем </a:t>
+            </a:r>
+            <a:r>
+              <a:rPr lang="ru-RU" sz="2400" dirty="0" err="1"/>
+              <a:t>префаб</a:t>
+            </a:r>
+            <a:endParaRPr lang="ru-RU" sz="2400" dirty="0"/>
+          </a:p>
+        </p:txBody>
+      </p:sp>
+    </p:spTree>
+    <p:extLst>
+      <p:ext uri="{BB962C8B-B14F-4D97-AF65-F5344CB8AC3E}">
+        <p14:creationId xmlns:p14="http://schemas.microsoft.com/office/powerpoint/2010/main" val="3847626862"/>
+      </p:ext>
+    </p:extLst>
+  </p:cSld>
+  <p:clrMapOvr>
+    <a:masterClrMapping/>
+  </p:clrMapOvr>
+</p:sld>
+</file>
+
+<file path=ppt/slides/slide7.xml><?xml version="1.0" encoding="utf-8"?>
+<p:sld xmlns:a="http://schemas.openxmlformats.org/drawingml/2006/main" xmlns:r="http://schemas.openxmlformats.org/officeDocument/2006/relationships" xmlns:p="http://schemas.openxmlformats.org/presentationml/2006/main">
+  <p:cSld>
+    <p:bg>
+      <p:bgPr>
+        <a:solidFill>
+          <a:schemeClr val="bg1"/>
+        </a:solidFill>
+        <a:effectLst/>
+      </p:bgPr>
+    </p:bg>
+    <p:spTree>
+      <p:nvGrpSpPr>
+        <p:cNvPr id="1" name=""/>
+        <p:cNvGrpSpPr/>
+        <p:nvPr/>
+      </p:nvGrpSpPr>
+      <p:grpSpPr>
+        <a:xfrm>
+          <a:off x="0" y="0"/>
+          <a:ext cx="0" cy="0"/>
+          <a:chOff x="0" y="0"/>
+          <a:chExt cx="0" cy="0"/>
+        </a:xfrm>
+      </p:grpSpPr>
+      <p:sp>
+        <p:nvSpPr>
+          <p:cNvPr id="4" name="Заголовок 3">
+            <a:extLst>
+              <a:ext uri="{FF2B5EF4-FFF2-40B4-BE49-F238E27FC236}">
+                <a16:creationId xmlns:a16="http://schemas.microsoft.com/office/drawing/2014/main" id="{4A115AD6-B700-4B08-BB76-3A31B864B8AF}"/>
+              </a:ext>
+            </a:extLst>
+          </p:cNvPr>
+          <p:cNvSpPr>
+            <a:spLocks noGrp="1"/>
+          </p:cNvSpPr>
+          <p:nvPr>
+            <p:ph type="title"/>
+          </p:nvPr>
+        </p:nvSpPr>
+        <p:spPr>
+          <a:xfrm>
+            <a:off x="3995616" y="570225"/>
+            <a:ext cx="4606845" cy="976911"/>
+          </a:xfrm>
+        </p:spPr>
+        <p:txBody>
+          <a:bodyPr>
+            <a:normAutofit/>
+          </a:bodyPr>
+          <a:lstStyle/>
+          <a:p>
+            <a:r>
+              <a:rPr lang="ru-RU" b="1" dirty="0">
+                <a:solidFill>
+                  <a:schemeClr val="accent5">
+                    <a:lumMod val="75000"/>
+                  </a:schemeClr>
+                </a:solidFill>
+              </a:rPr>
+              <a:t>Стрельба</a:t>
+            </a:r>
+            <a:r>
+              <a:rPr lang="en-US" b="1" dirty="0">
+                <a:solidFill>
+                  <a:schemeClr val="accent5">
+                    <a:lumMod val="75000"/>
+                  </a:schemeClr>
+                </a:solidFill>
+              </a:rPr>
+              <a:t>. </a:t>
+            </a:r>
+            <a:r>
+              <a:rPr lang="ru-RU" b="1" dirty="0">
+                <a:solidFill>
+                  <a:schemeClr val="accent5">
+                    <a:lumMod val="75000"/>
+                  </a:schemeClr>
+                </a:solidFill>
+              </a:rPr>
+              <a:t>Шаг 2</a:t>
+            </a:r>
+          </a:p>
+        </p:txBody>
+      </p:sp>
+      <p:pic>
+        <p:nvPicPr>
+          <p:cNvPr id="8" name="Рисунок 7">
+            <a:extLst>
+              <a:ext uri="{FF2B5EF4-FFF2-40B4-BE49-F238E27FC236}">
+                <a16:creationId xmlns:a16="http://schemas.microsoft.com/office/drawing/2014/main" id="{CBDF88C9-3197-4A5D-BF54-DDFEB7BADEBC}"/>
+              </a:ext>
+            </a:extLst>
+          </p:cNvPr>
+          <p:cNvPicPr>
+            <a:picLocks noChangeAspect="1"/>
+          </p:cNvPicPr>
+          <p:nvPr/>
+        </p:nvPicPr>
+        <p:blipFill>
+          <a:blip r:embed="rId2">
+            <a:extLst>
+              <a:ext uri="{28A0092B-C50C-407E-A947-70E740481C1C}">
+                <a14:useLocalDpi xmlns:a14="http://schemas.microsoft.com/office/drawing/2010/main" val="0"/>
+              </a:ext>
+            </a:extLst>
+          </a:blip>
+          <a:stretch>
+            <a:fillRect/>
+          </a:stretch>
+        </p:blipFill>
+        <p:spPr>
+          <a:xfrm>
+            <a:off x="651029" y="2825520"/>
+            <a:ext cx="2130781" cy="1668054"/>
+          </a:xfrm>
+          <a:prstGeom prst="rect">
+            <a:avLst/>
+          </a:prstGeom>
+        </p:spPr>
+      </p:pic>
+      <p:sp>
+        <p:nvSpPr>
+          <p:cNvPr id="6" name="Заголовок 3">
+            <a:extLst>
+              <a:ext uri="{FF2B5EF4-FFF2-40B4-BE49-F238E27FC236}">
+                <a16:creationId xmlns:a16="http://schemas.microsoft.com/office/drawing/2014/main" id="{9580343B-9FEA-4922-9AAA-7BFF415C742E}"/>
+              </a:ext>
+            </a:extLst>
+          </p:cNvPr>
+          <p:cNvSpPr txBox="1">
+            <a:spLocks/>
+          </p:cNvSpPr>
+          <p:nvPr/>
+        </p:nvSpPr>
+        <p:spPr>
+          <a:xfrm>
+            <a:off x="3844697" y="1467021"/>
+            <a:ext cx="7696274" cy="4820754"/>
+          </a:xfrm>
+          <a:prstGeom prst="rect">
+            <a:avLst/>
+          </a:prstGeom>
+        </p:spPr>
+        <p:txBody>
+          <a:bodyPr vert="horz" lIns="91440" tIns="45720" rIns="91440" bIns="45720" rtlCol="0" anchor="ctr">
+            <a:normAutofit fontScale="70000" lnSpcReduction="20000"/>
+          </a:bodyPr>
+          <a:lstStyle>
+            <a:lvl1pPr algn="l" defTabSz="914400" rtl="0" eaLnBrk="1" latinLnBrk="0" hangingPunct="1">
+              <a:lnSpc>
+                <a:spcPct val="90000"/>
+              </a:lnSpc>
+              <a:spcBef>
+                <a:spcPct val="0"/>
+              </a:spcBef>
+              <a:buNone/>
+              <a:defRPr lang="en-US" sz="4000" i="0" kern="1200" cap="none" spc="0" baseline="0" dirty="0">
+                <a:solidFill>
+                  <a:schemeClr val="tx1">
+                    <a:lumMod val="85000"/>
+                    <a:lumOff val="15000"/>
+                  </a:schemeClr>
+                </a:solidFill>
+                <a:effectLst/>
+                <a:latin typeface="+mj-lt"/>
+                <a:ea typeface="+mn-ea"/>
+                <a:cs typeface="+mn-cs"/>
+              </a:defRPr>
+            </a:lvl1pPr>
+          </a:lstStyle>
+          <a:p>
+            <a:r>
+              <a:rPr lang="ru-RU" sz="3800" b="1" dirty="0"/>
+              <a:t>Скрипт снаряда:</a:t>
+            </a:r>
+            <a:endParaRPr lang="en-US" sz="3800" b="1" dirty="0"/>
+          </a:p>
+          <a:p>
+            <a:endParaRPr lang="ru-RU" sz="2800" b="1" dirty="0"/>
+          </a:p>
+          <a:p>
+            <a:endParaRPr lang="ru-RU" sz="2800" b="1" dirty="0">
+              <a:solidFill>
+                <a:schemeClr val="accent4">
+                  <a:lumMod val="75000"/>
+                </a:schemeClr>
+              </a:solidFill>
+              <a:latin typeface="Arial" panose="020B0604020202020204" pitchFamily="34" charset="0"/>
+              <a:cs typeface="Arial" panose="020B0604020202020204" pitchFamily="34" charset="0"/>
+            </a:endParaRPr>
+          </a:p>
+          <a:p>
+            <a:r>
+              <a:rPr lang="en-US" dirty="0">
+                <a:solidFill>
+                  <a:schemeClr val="accent4">
+                    <a:lumMod val="75000"/>
+                  </a:schemeClr>
+                </a:solidFill>
+                <a:latin typeface="Arial" panose="020B0604020202020204" pitchFamily="34" charset="0"/>
+                <a:cs typeface="Arial" panose="020B0604020202020204" pitchFamily="34" charset="0"/>
+              </a:rPr>
+              <a:t> </a:t>
+            </a:r>
+            <a:r>
+              <a:rPr lang="en-US" sz="3600" dirty="0">
+                <a:solidFill>
+                  <a:schemeClr val="accent4">
+                    <a:lumMod val="75000"/>
+                  </a:schemeClr>
+                </a:solidFill>
+                <a:latin typeface="Arial" panose="020B0604020202020204" pitchFamily="34" charset="0"/>
+                <a:cs typeface="Arial" panose="020B0604020202020204" pitchFamily="34" charset="0"/>
+              </a:rPr>
+              <a:t>public int speed;</a:t>
+            </a:r>
+          </a:p>
+          <a:p>
+            <a:r>
+              <a:rPr lang="en-US" sz="3600" dirty="0">
+                <a:solidFill>
+                  <a:schemeClr val="accent4">
+                    <a:lumMod val="75000"/>
+                  </a:schemeClr>
+                </a:solidFill>
+                <a:latin typeface="Arial" panose="020B0604020202020204" pitchFamily="34" charset="0"/>
+                <a:cs typeface="Arial" panose="020B0604020202020204" pitchFamily="34" charset="0"/>
+              </a:rPr>
+              <a:t> Rigidbody2D rb;</a:t>
+            </a:r>
+          </a:p>
+          <a:p>
+            <a:endParaRPr lang="ru-RU" sz="3600" dirty="0">
+              <a:latin typeface="Arial" panose="020B0604020202020204" pitchFamily="34" charset="0"/>
+              <a:cs typeface="Arial" panose="020B0604020202020204" pitchFamily="34" charset="0"/>
+            </a:endParaRPr>
+          </a:p>
+          <a:p>
+            <a:r>
+              <a:rPr lang="en-US" sz="3600" dirty="0">
+                <a:solidFill>
+                  <a:srgbClr val="7030A0"/>
+                </a:solidFill>
+                <a:latin typeface="Arial" panose="020B0604020202020204" pitchFamily="34" charset="0"/>
+                <a:cs typeface="Arial" panose="020B0604020202020204" pitchFamily="34" charset="0"/>
+              </a:rPr>
+              <a:t>void Start()</a:t>
+            </a:r>
+          </a:p>
+          <a:p>
+            <a:r>
+              <a:rPr lang="ru-RU" sz="3600" dirty="0">
+                <a:latin typeface="Arial" panose="020B0604020202020204" pitchFamily="34" charset="0"/>
+                <a:cs typeface="Arial" panose="020B0604020202020204" pitchFamily="34" charset="0"/>
+              </a:rPr>
+              <a:t>    {</a:t>
+            </a:r>
+          </a:p>
+          <a:p>
+            <a:r>
+              <a:rPr lang="en-US" sz="3600" dirty="0">
+                <a:latin typeface="Arial" panose="020B0604020202020204" pitchFamily="34" charset="0"/>
+                <a:cs typeface="Arial" panose="020B0604020202020204" pitchFamily="34" charset="0"/>
+              </a:rPr>
+              <a:t>        rb = GetComponent&lt;Rigidbody2D&gt;();</a:t>
+            </a:r>
+          </a:p>
+          <a:p>
+            <a:r>
+              <a:rPr lang="en-US" sz="3600" dirty="0">
+                <a:latin typeface="Arial" panose="020B0604020202020204" pitchFamily="34" charset="0"/>
+                <a:cs typeface="Arial" panose="020B0604020202020204" pitchFamily="34" charset="0"/>
+              </a:rPr>
+              <a:t>        Destroy(gameObject, 10);</a:t>
+            </a:r>
+          </a:p>
+          <a:p>
+            <a:r>
+              <a:rPr lang="ru-RU" sz="3600" dirty="0">
+                <a:latin typeface="Arial" panose="020B0604020202020204" pitchFamily="34" charset="0"/>
+                <a:cs typeface="Arial" panose="020B0604020202020204" pitchFamily="34" charset="0"/>
+              </a:rPr>
+              <a:t>    }</a:t>
+            </a:r>
+            <a:endParaRPr lang="en-US" sz="3600" dirty="0">
+              <a:latin typeface="Arial" panose="020B0604020202020204" pitchFamily="34" charset="0"/>
+              <a:cs typeface="Arial" panose="020B0604020202020204" pitchFamily="34" charset="0"/>
+            </a:endParaRPr>
+          </a:p>
+          <a:p>
+            <a:endParaRPr lang="ru-RU" sz="3600" dirty="0">
+              <a:latin typeface="Arial" panose="020B0604020202020204" pitchFamily="34" charset="0"/>
+              <a:cs typeface="Arial" panose="020B0604020202020204" pitchFamily="34" charset="0"/>
+            </a:endParaRPr>
+          </a:p>
+          <a:p>
+            <a:endParaRPr lang="ru-RU" sz="3600" dirty="0">
+              <a:latin typeface="Arial" panose="020B0604020202020204" pitchFamily="34" charset="0"/>
+              <a:cs typeface="Arial" panose="020B0604020202020204" pitchFamily="34" charset="0"/>
+            </a:endParaRPr>
+          </a:p>
+          <a:p>
+            <a:r>
+              <a:rPr lang="en-US" sz="3600" dirty="0">
+                <a:solidFill>
+                  <a:srgbClr val="7030A0"/>
+                </a:solidFill>
+                <a:latin typeface="Arial" panose="020B0604020202020204" pitchFamily="34" charset="0"/>
+                <a:cs typeface="Arial" panose="020B0604020202020204" pitchFamily="34" charset="0"/>
+              </a:rPr>
+              <a:t>void Update()</a:t>
+            </a:r>
+          </a:p>
+          <a:p>
+            <a:r>
+              <a:rPr lang="ru-RU" sz="3600" dirty="0">
+                <a:latin typeface="Arial" panose="020B0604020202020204" pitchFamily="34" charset="0"/>
+                <a:cs typeface="Arial" panose="020B0604020202020204" pitchFamily="34" charset="0"/>
+              </a:rPr>
+              <a:t>    {</a:t>
+            </a:r>
+          </a:p>
+          <a:p>
+            <a:r>
+              <a:rPr lang="en-US" sz="3600" dirty="0">
+                <a:latin typeface="Arial" panose="020B0604020202020204" pitchFamily="34" charset="0"/>
+                <a:cs typeface="Arial" panose="020B0604020202020204" pitchFamily="34" charset="0"/>
+              </a:rPr>
+              <a:t>        rb.velocity = new Vector2(speed, 0);</a:t>
+            </a:r>
+          </a:p>
+          <a:p>
+            <a:r>
+              <a:rPr lang="ru-RU" sz="3600" dirty="0">
+                <a:latin typeface="Arial" panose="020B0604020202020204" pitchFamily="34" charset="0"/>
+                <a:cs typeface="Arial" panose="020B0604020202020204" pitchFamily="34" charset="0"/>
+              </a:rPr>
+              <a:t>    }</a:t>
+            </a:r>
+          </a:p>
+        </p:txBody>
+      </p:sp>
+    </p:spTree>
+    <p:extLst>
+      <p:ext uri="{BB962C8B-B14F-4D97-AF65-F5344CB8AC3E}">
+        <p14:creationId xmlns:p14="http://schemas.microsoft.com/office/powerpoint/2010/main" val="4079390793"/>
+      </p:ext>
+    </p:extLst>
+  </p:cSld>
+  <p:clrMapOvr>
+    <a:masterClrMapping/>
+  </p:clrMapOvr>
+</p:sld>
+</file>
+
+<file path=ppt/slides/slide8.xml><?xml version="1.0" encoding="utf-8"?>
+<p:sld xmlns:a="http://schemas.openxmlformats.org/drawingml/2006/main" xmlns:r="http://schemas.openxmlformats.org/officeDocument/2006/relationships" xmlns:p="http://schemas.openxmlformats.org/presentationml/2006/main">
+  <p:cSld>
+    <p:bg>
+      <p:bgPr>
+        <a:solidFill>
+          <a:schemeClr val="bg1"/>
+        </a:solidFill>
+        <a:effectLst/>
+      </p:bgPr>
+    </p:bg>
+    <p:spTree>
+      <p:nvGrpSpPr>
+        <p:cNvPr id="1" name=""/>
+        <p:cNvGrpSpPr/>
+        <p:nvPr/>
+      </p:nvGrpSpPr>
+      <p:grpSpPr>
+        <a:xfrm>
+          <a:off x="0" y="0"/>
+          <a:ext cx="0" cy="0"/>
+          <a:chOff x="0" y="0"/>
+          <a:chExt cx="0" cy="0"/>
+        </a:xfrm>
+      </p:grpSpPr>
+      <p:sp>
+        <p:nvSpPr>
+          <p:cNvPr id="4" name="Заголовок 3">
+            <a:extLst>
+              <a:ext uri="{FF2B5EF4-FFF2-40B4-BE49-F238E27FC236}">
+                <a16:creationId xmlns:a16="http://schemas.microsoft.com/office/drawing/2014/main" id="{4A115AD6-B700-4B08-BB76-3A31B864B8AF}"/>
+              </a:ext>
+            </a:extLst>
+          </p:cNvPr>
+          <p:cNvSpPr>
+            <a:spLocks noGrp="1"/>
+          </p:cNvSpPr>
+          <p:nvPr>
+            <p:ph type="title"/>
+          </p:nvPr>
+        </p:nvSpPr>
+        <p:spPr>
+          <a:xfrm>
+            <a:off x="3995616" y="570225"/>
+            <a:ext cx="4606845" cy="976911"/>
+          </a:xfrm>
+        </p:spPr>
+        <p:txBody>
+          <a:bodyPr>
+            <a:normAutofit/>
+          </a:bodyPr>
+          <a:lstStyle/>
+          <a:p>
+            <a:r>
+              <a:rPr lang="ru-RU" b="1" dirty="0">
+                <a:solidFill>
+                  <a:schemeClr val="accent5">
+                    <a:lumMod val="75000"/>
+                  </a:schemeClr>
+                </a:solidFill>
+              </a:rPr>
+              <a:t>Стрельба</a:t>
+            </a:r>
+            <a:r>
+              <a:rPr lang="en-US" b="1" dirty="0">
+                <a:solidFill>
+                  <a:schemeClr val="accent5">
+                    <a:lumMod val="75000"/>
+                  </a:schemeClr>
+                </a:solidFill>
+              </a:rPr>
+              <a:t>. </a:t>
+            </a:r>
+            <a:r>
+              <a:rPr lang="ru-RU" b="1" dirty="0">
+                <a:solidFill>
+                  <a:schemeClr val="accent5">
+                    <a:lumMod val="75000"/>
+                  </a:schemeClr>
+                </a:solidFill>
+              </a:rPr>
+              <a:t>Шаг </a:t>
+            </a:r>
+            <a:r>
+              <a:rPr lang="en-US" b="1" dirty="0">
+                <a:solidFill>
+                  <a:schemeClr val="accent5">
+                    <a:lumMod val="75000"/>
+                  </a:schemeClr>
+                </a:solidFill>
+              </a:rPr>
+              <a:t>3</a:t>
+            </a:r>
+            <a:endParaRPr lang="ru-RU" b="1" dirty="0">
+              <a:solidFill>
+                <a:schemeClr val="accent5">
+                  <a:lumMod val="75000"/>
+                </a:schemeClr>
+              </a:solidFill>
+            </a:endParaRPr>
+          </a:p>
+        </p:txBody>
+      </p:sp>
+      <p:pic>
+        <p:nvPicPr>
+          <p:cNvPr id="8" name="Рисунок 7">
+            <a:extLst>
+              <a:ext uri="{FF2B5EF4-FFF2-40B4-BE49-F238E27FC236}">
+                <a16:creationId xmlns:a16="http://schemas.microsoft.com/office/drawing/2014/main" id="{CBDF88C9-3197-4A5D-BF54-DDFEB7BADEBC}"/>
+              </a:ext>
+            </a:extLst>
+          </p:cNvPr>
+          <p:cNvPicPr>
+            <a:picLocks noChangeAspect="1"/>
+          </p:cNvPicPr>
+          <p:nvPr/>
+        </p:nvPicPr>
+        <p:blipFill>
+          <a:blip r:embed="rId2">
+            <a:extLst>
+              <a:ext uri="{28A0092B-C50C-407E-A947-70E740481C1C}">
+                <a14:useLocalDpi xmlns:a14="http://schemas.microsoft.com/office/drawing/2010/main" val="0"/>
+              </a:ext>
+            </a:extLst>
+          </a:blip>
+          <a:stretch>
+            <a:fillRect/>
+          </a:stretch>
+        </p:blipFill>
+        <p:spPr>
+          <a:xfrm>
+            <a:off x="9368900" y="4503686"/>
+            <a:ext cx="2130781" cy="1668054"/>
+          </a:xfrm>
+          <a:prstGeom prst="rect">
+            <a:avLst/>
+          </a:prstGeom>
+        </p:spPr>
+      </p:pic>
+      <p:sp>
+        <p:nvSpPr>
+          <p:cNvPr id="6" name="Заголовок 3">
+            <a:extLst>
+              <a:ext uri="{FF2B5EF4-FFF2-40B4-BE49-F238E27FC236}">
+                <a16:creationId xmlns:a16="http://schemas.microsoft.com/office/drawing/2014/main" id="{9580343B-9FEA-4922-9AAA-7BFF415C742E}"/>
+              </a:ext>
+            </a:extLst>
+          </p:cNvPr>
+          <p:cNvSpPr txBox="1">
+            <a:spLocks/>
+          </p:cNvSpPr>
+          <p:nvPr/>
+        </p:nvSpPr>
+        <p:spPr>
+          <a:xfrm>
+            <a:off x="899604" y="1262834"/>
+            <a:ext cx="7765002" cy="4820754"/>
+          </a:xfrm>
+          <a:prstGeom prst="rect">
+            <a:avLst/>
+          </a:prstGeom>
+        </p:spPr>
+        <p:txBody>
+          <a:bodyPr vert="horz" lIns="91440" tIns="45720" rIns="91440" bIns="45720" rtlCol="0" anchor="ctr">
+            <a:normAutofit/>
+          </a:bodyPr>
+          <a:lstStyle>
+            <a:lvl1pPr algn="l" defTabSz="914400" rtl="0" eaLnBrk="1" latinLnBrk="0" hangingPunct="1">
+              <a:lnSpc>
+                <a:spcPct val="90000"/>
+              </a:lnSpc>
+              <a:spcBef>
+                <a:spcPct val="0"/>
+              </a:spcBef>
+              <a:buNone/>
+              <a:defRPr lang="en-US" sz="4000" i="0" kern="1200" cap="none" spc="0" baseline="0" dirty="0">
+                <a:solidFill>
+                  <a:schemeClr val="tx1">
+                    <a:lumMod val="85000"/>
+                    <a:lumOff val="15000"/>
+                  </a:schemeClr>
+                </a:solidFill>
+                <a:effectLst/>
+                <a:latin typeface="+mj-lt"/>
+                <a:ea typeface="+mn-ea"/>
+                <a:cs typeface="+mn-cs"/>
+              </a:defRPr>
+            </a:lvl1pPr>
+          </a:lstStyle>
+          <a:p>
+            <a:r>
+              <a:rPr lang="ru-RU" sz="2400" b="1" dirty="0">
+                <a:latin typeface="Arial" panose="020B0604020202020204" pitchFamily="34" charset="0"/>
+                <a:cs typeface="Arial" panose="020B0604020202020204" pitchFamily="34" charset="0"/>
+              </a:rPr>
+              <a:t>Связь героя и снаряда:</a:t>
+            </a:r>
+          </a:p>
+          <a:p>
+            <a:endParaRPr lang="en-US" sz="2400" b="1" dirty="0">
+              <a:solidFill>
+                <a:schemeClr val="accent4">
+                  <a:lumMod val="75000"/>
+                </a:schemeClr>
+              </a:solidFill>
+              <a:latin typeface="Arial" panose="020B0604020202020204" pitchFamily="34" charset="0"/>
+              <a:cs typeface="Arial" panose="020B0604020202020204" pitchFamily="34" charset="0"/>
+            </a:endParaRPr>
+          </a:p>
+          <a:p>
+            <a:r>
+              <a:rPr lang="en-US" sz="2000" dirty="0">
+                <a:solidFill>
+                  <a:schemeClr val="accent4">
+                    <a:lumMod val="75000"/>
+                  </a:schemeClr>
+                </a:solidFill>
+                <a:latin typeface="Arial" panose="020B0604020202020204" pitchFamily="34" charset="0"/>
+                <a:cs typeface="Arial" panose="020B0604020202020204" pitchFamily="34" charset="0"/>
+              </a:rPr>
+              <a:t>public GameObject bullet;</a:t>
+            </a:r>
+          </a:p>
+          <a:p>
+            <a:r>
+              <a:rPr lang="en-US" sz="2000" dirty="0">
+                <a:solidFill>
+                  <a:schemeClr val="accent4">
+                    <a:lumMod val="75000"/>
+                  </a:schemeClr>
+                </a:solidFill>
+                <a:latin typeface="Arial" panose="020B0604020202020204" pitchFamily="34" charset="0"/>
+                <a:cs typeface="Arial" panose="020B0604020202020204" pitchFamily="34" charset="0"/>
+              </a:rPr>
+              <a:t> </a:t>
+            </a:r>
+            <a:endParaRPr lang="ru-RU" sz="2000" dirty="0">
+              <a:solidFill>
+                <a:schemeClr val="accent4">
+                  <a:lumMod val="75000"/>
+                </a:schemeClr>
+              </a:solidFill>
+              <a:latin typeface="Arial" panose="020B0604020202020204" pitchFamily="34" charset="0"/>
+              <a:cs typeface="Arial" panose="020B0604020202020204" pitchFamily="34" charset="0"/>
+            </a:endParaRPr>
+          </a:p>
+          <a:p>
+            <a:r>
+              <a:rPr lang="en-US" sz="2000" dirty="0">
+                <a:solidFill>
+                  <a:srgbClr val="7030A0"/>
+                </a:solidFill>
+                <a:latin typeface="Arial" panose="020B0604020202020204" pitchFamily="34" charset="0"/>
+                <a:cs typeface="Arial" panose="020B0604020202020204" pitchFamily="34" charset="0"/>
+              </a:rPr>
+              <a:t>void Update()</a:t>
+            </a:r>
+          </a:p>
+          <a:p>
+            <a:r>
+              <a:rPr lang="ru-RU" sz="2000" dirty="0">
+                <a:latin typeface="Arial" panose="020B0604020202020204" pitchFamily="34" charset="0"/>
+                <a:cs typeface="Arial" panose="020B0604020202020204" pitchFamily="34" charset="0"/>
+              </a:rPr>
+              <a:t>{</a:t>
+            </a:r>
+          </a:p>
+          <a:p>
+            <a:r>
+              <a:rPr lang="en-US" sz="2000" dirty="0">
+                <a:latin typeface="Arial" panose="020B0604020202020204" pitchFamily="34" charset="0"/>
+                <a:cs typeface="Arial" panose="020B0604020202020204" pitchFamily="34" charset="0"/>
+              </a:rPr>
+              <a:t>        if (Input.GetKeyDown(KeyCode.Space))</a:t>
+            </a:r>
+          </a:p>
+          <a:p>
+            <a:r>
+              <a:rPr lang="ru-RU" sz="2000" dirty="0">
+                <a:latin typeface="Arial" panose="020B0604020202020204" pitchFamily="34" charset="0"/>
+                <a:cs typeface="Arial" panose="020B0604020202020204" pitchFamily="34" charset="0"/>
+              </a:rPr>
+              <a:t>        {</a:t>
+            </a:r>
+          </a:p>
+          <a:p>
+            <a:r>
+              <a:rPr lang="fr-FR" sz="2000" dirty="0">
+                <a:latin typeface="Arial" panose="020B0604020202020204" pitchFamily="34" charset="0"/>
+                <a:cs typeface="Arial" panose="020B0604020202020204" pitchFamily="34" charset="0"/>
+              </a:rPr>
+              <a:t>            Instantiate(bullet, transform.position, transform.rotation);</a:t>
+            </a:r>
+          </a:p>
+          <a:p>
+            <a:r>
+              <a:rPr lang="ru-RU" sz="2000" dirty="0">
+                <a:latin typeface="Arial" panose="020B0604020202020204" pitchFamily="34" charset="0"/>
+                <a:cs typeface="Arial" panose="020B0604020202020204" pitchFamily="34" charset="0"/>
+              </a:rPr>
+              <a:t>        }</a:t>
+            </a:r>
+          </a:p>
+          <a:p>
+            <a:r>
+              <a:rPr lang="en-US" sz="2000" dirty="0">
+                <a:latin typeface="Arial" panose="020B0604020202020204" pitchFamily="34" charset="0"/>
+                <a:cs typeface="Arial" panose="020B0604020202020204" pitchFamily="34" charset="0"/>
+              </a:rPr>
+              <a:t>}</a:t>
+            </a:r>
+            <a:endParaRPr lang="ru-RU" sz="2000" dirty="0">
+              <a:latin typeface="Arial" panose="020B0604020202020204" pitchFamily="34" charset="0"/>
+              <a:cs typeface="Arial" panose="020B0604020202020204" pitchFamily="34" charset="0"/>
+            </a:endParaRPr>
+          </a:p>
+        </p:txBody>
+      </p:sp>
+    </p:spTree>
+    <p:extLst>
+      <p:ext uri="{BB962C8B-B14F-4D97-AF65-F5344CB8AC3E}">
+        <p14:creationId xmlns:p14="http://schemas.microsoft.com/office/powerpoint/2010/main" val="648953161"/>
+      </p:ext>
+    </p:extLst>
+  </p:cSld>
+  <p:clrMapOvr>
+    <a:masterClrMapping/>
+  </p:clrMapOvr>
+</p:sld>
+</file>
+
+<file path=ppt/slides/slide9.xml><?xml version="1.0" encoding="utf-8"?>
+<p:sld xmlns:a="http://schemas.openxmlformats.org/drawingml/2006/main" xmlns:r="http://schemas.openxmlformats.org/officeDocument/2006/relationships" xmlns:p="http://schemas.openxmlformats.org/presentationml/2006/main">
+  <p:cSld>
+    <p:bg>
+      <p:bgPr>
+        <a:solidFill>
+          <a:schemeClr val="bg1"/>
+        </a:solidFill>
+        <a:effectLst/>
+      </p:bgPr>
+    </p:bg>
+    <p:spTree>
+      <p:nvGrpSpPr>
+        <p:cNvPr id="1" name=""/>
+        <p:cNvGrpSpPr/>
+        <p:nvPr/>
+      </p:nvGrpSpPr>
+      <p:grpSpPr>
+        <a:xfrm>
+          <a:off x="0" y="0"/>
+          <a:ext cx="0" cy="0"/>
+          <a:chOff x="0" y="0"/>
+          <a:chExt cx="0" cy="0"/>
+        </a:xfrm>
+      </p:grpSpPr>
+      <p:sp>
+        <p:nvSpPr>
+          <p:cNvPr id="4" name="Заголовок 3">
+            <a:extLst>
+              <a:ext uri="{FF2B5EF4-FFF2-40B4-BE49-F238E27FC236}">
+                <a16:creationId xmlns:a16="http://schemas.microsoft.com/office/drawing/2014/main" id="{4A115AD6-B700-4B08-BB76-3A31B864B8AF}"/>
+              </a:ext>
+            </a:extLst>
+          </p:cNvPr>
+          <p:cNvSpPr>
+            <a:spLocks noGrp="1"/>
+          </p:cNvSpPr>
+          <p:nvPr>
+            <p:ph type="title"/>
+          </p:nvPr>
+        </p:nvSpPr>
+        <p:spPr>
+          <a:xfrm>
+            <a:off x="3995616" y="570225"/>
+            <a:ext cx="4606845" cy="976911"/>
+          </a:xfrm>
+        </p:spPr>
+        <p:txBody>
+          <a:bodyPr>
+            <a:normAutofit/>
+          </a:bodyPr>
+          <a:lstStyle/>
+          <a:p>
+            <a:r>
+              <a:rPr lang="ru-RU" b="1" dirty="0">
+                <a:solidFill>
+                  <a:schemeClr val="accent5">
+                    <a:lumMod val="75000"/>
+                  </a:schemeClr>
+                </a:solidFill>
+              </a:rPr>
+              <a:t>Стрельба</a:t>
+            </a:r>
+            <a:r>
+              <a:rPr lang="en-US" b="1" dirty="0">
+                <a:solidFill>
+                  <a:schemeClr val="accent5">
+                    <a:lumMod val="75000"/>
+                  </a:schemeClr>
+                </a:solidFill>
+              </a:rPr>
+              <a:t>. </a:t>
+            </a:r>
+            <a:r>
+              <a:rPr lang="ru-RU" b="1" dirty="0">
+                <a:solidFill>
+                  <a:schemeClr val="accent5">
+                    <a:lumMod val="75000"/>
+                  </a:schemeClr>
+                </a:solidFill>
+              </a:rPr>
+              <a:t>Шаг </a:t>
+            </a:r>
+            <a:r>
+              <a:rPr lang="en-US" b="1" dirty="0">
+                <a:solidFill>
+                  <a:schemeClr val="accent5">
+                    <a:lumMod val="75000"/>
+                  </a:schemeClr>
+                </a:solidFill>
+              </a:rPr>
+              <a:t>4</a:t>
+            </a:r>
+            <a:endParaRPr lang="ru-RU" b="1" dirty="0">
+              <a:solidFill>
+                <a:schemeClr val="accent5">
+                  <a:lumMod val="75000"/>
+                </a:schemeClr>
+              </a:solidFill>
+            </a:endParaRPr>
+          </a:p>
+        </p:txBody>
+      </p:sp>
+      <p:pic>
+        <p:nvPicPr>
+          <p:cNvPr id="8" name="Рисунок 7">
+            <a:extLst>
+              <a:ext uri="{FF2B5EF4-FFF2-40B4-BE49-F238E27FC236}">
+                <a16:creationId xmlns:a16="http://schemas.microsoft.com/office/drawing/2014/main" id="{CBDF88C9-3197-4A5D-BF54-DDFEB7BADEBC}"/>
+              </a:ext>
+            </a:extLst>
+          </p:cNvPr>
+          <p:cNvPicPr>
+            <a:picLocks noChangeAspect="1"/>
+          </p:cNvPicPr>
+          <p:nvPr/>
+        </p:nvPicPr>
+        <p:blipFill>
+          <a:blip r:embed="rId2">
+            <a:extLst>
+              <a:ext uri="{28A0092B-C50C-407E-A947-70E740481C1C}">
+                <a14:useLocalDpi xmlns:a14="http://schemas.microsoft.com/office/drawing/2010/main" val="0"/>
+              </a:ext>
+            </a:extLst>
+          </a:blip>
+          <a:stretch>
+            <a:fillRect/>
+          </a:stretch>
+        </p:blipFill>
+        <p:spPr>
+          <a:xfrm>
+            <a:off x="9368900" y="4503686"/>
+            <a:ext cx="2130781" cy="1668054"/>
+          </a:xfrm>
+          <a:prstGeom prst="rect">
+            <a:avLst/>
+          </a:prstGeom>
+        </p:spPr>
+      </p:pic>
+      <p:sp>
+        <p:nvSpPr>
+          <p:cNvPr id="6" name="Заголовок 3">
+            <a:extLst>
+              <a:ext uri="{FF2B5EF4-FFF2-40B4-BE49-F238E27FC236}">
+                <a16:creationId xmlns:a16="http://schemas.microsoft.com/office/drawing/2014/main" id="{9580343B-9FEA-4922-9AAA-7BFF415C742E}"/>
+              </a:ext>
+            </a:extLst>
+          </p:cNvPr>
+          <p:cNvSpPr txBox="1">
+            <a:spLocks/>
+          </p:cNvSpPr>
+          <p:nvPr/>
+        </p:nvSpPr>
+        <p:spPr>
+          <a:xfrm>
+            <a:off x="837459" y="1350986"/>
+            <a:ext cx="9451760" cy="4820754"/>
+          </a:xfrm>
+          <a:prstGeom prst="rect">
+            <a:avLst/>
+          </a:prstGeom>
+        </p:spPr>
+        <p:txBody>
+          <a:bodyPr vert="horz" lIns="91440" tIns="45720" rIns="91440" bIns="45720" rtlCol="0" anchor="ctr">
+            <a:normAutofit/>
+          </a:bodyPr>
+          <a:lstStyle>
+            <a:lvl1pPr algn="l" defTabSz="914400" rtl="0" eaLnBrk="1" latinLnBrk="0" hangingPunct="1">
+              <a:lnSpc>
+                <a:spcPct val="90000"/>
+              </a:lnSpc>
+              <a:spcBef>
+                <a:spcPct val="0"/>
+              </a:spcBef>
+              <a:buNone/>
+              <a:defRPr lang="en-US" sz="4000" i="0" kern="1200" cap="none" spc="0" baseline="0" dirty="0">
+                <a:solidFill>
+                  <a:schemeClr val="tx1">
+                    <a:lumMod val="85000"/>
+                    <a:lumOff val="15000"/>
+                  </a:schemeClr>
+                </a:solidFill>
+                <a:effectLst/>
+                <a:latin typeface="+mj-lt"/>
+                <a:ea typeface="+mn-ea"/>
+                <a:cs typeface="+mn-cs"/>
+              </a:defRPr>
+            </a:lvl1pPr>
+          </a:lstStyle>
+          <a:p>
+            <a:r>
+              <a:rPr lang="ru-RU" sz="2400" b="1" dirty="0">
+                <a:latin typeface="Arial" panose="020B0604020202020204" pitchFamily="34" charset="0"/>
+                <a:cs typeface="Arial" panose="020B0604020202020204" pitchFamily="34" charset="0"/>
+              </a:rPr>
+              <a:t>Связь врага и снаряда:</a:t>
+            </a:r>
+          </a:p>
+          <a:p>
+            <a:endParaRPr lang="en-US" sz="2400" b="1" dirty="0">
+              <a:solidFill>
+                <a:schemeClr val="accent4">
+                  <a:lumMod val="75000"/>
+                </a:schemeClr>
+              </a:solidFill>
+              <a:latin typeface="Arial" panose="020B0604020202020204" pitchFamily="34" charset="0"/>
+              <a:cs typeface="Arial" panose="020B0604020202020204" pitchFamily="34" charset="0"/>
+            </a:endParaRPr>
+          </a:p>
+          <a:p>
+            <a:r>
+              <a:rPr lang="en-US" dirty="0"/>
+              <a:t> </a:t>
+            </a:r>
+            <a:r>
+              <a:rPr lang="en-US" sz="2600" dirty="0">
+                <a:solidFill>
+                  <a:srgbClr val="7030A0"/>
+                </a:solidFill>
+                <a:latin typeface="Arial" panose="020B0604020202020204" pitchFamily="34" charset="0"/>
+                <a:cs typeface="Arial" panose="020B0604020202020204" pitchFamily="34" charset="0"/>
+              </a:rPr>
+              <a:t>private void OnTriggerEnter2D(Collider2D collision)</a:t>
+            </a:r>
+          </a:p>
+          <a:p>
+            <a:r>
+              <a:rPr lang="ru-RU" sz="2600" dirty="0">
+                <a:latin typeface="Arial" panose="020B0604020202020204" pitchFamily="34" charset="0"/>
+                <a:cs typeface="Arial" panose="020B0604020202020204" pitchFamily="34" charset="0"/>
+              </a:rPr>
+              <a:t>    {</a:t>
+            </a:r>
+          </a:p>
+          <a:p>
+            <a:r>
+              <a:rPr lang="en-US" sz="2600" dirty="0">
+                <a:latin typeface="Arial" panose="020B0604020202020204" pitchFamily="34" charset="0"/>
+                <a:cs typeface="Arial" panose="020B0604020202020204" pitchFamily="34" charset="0"/>
+              </a:rPr>
+              <a:t>        if (collision.CompareTag("Bullet"))</a:t>
+            </a:r>
+          </a:p>
+          <a:p>
+            <a:r>
+              <a:rPr lang="ru-RU" sz="2600" dirty="0">
+                <a:latin typeface="Arial" panose="020B0604020202020204" pitchFamily="34" charset="0"/>
+                <a:cs typeface="Arial" panose="020B0604020202020204" pitchFamily="34" charset="0"/>
+              </a:rPr>
+              <a:t>        {</a:t>
+            </a:r>
+          </a:p>
+          <a:p>
+            <a:r>
+              <a:rPr lang="en-US" sz="2600" dirty="0">
+                <a:latin typeface="Arial" panose="020B0604020202020204" pitchFamily="34" charset="0"/>
+                <a:cs typeface="Arial" panose="020B0604020202020204" pitchFamily="34" charset="0"/>
+              </a:rPr>
+              <a:t>            Destroy(collision.gameObject);</a:t>
+            </a:r>
+          </a:p>
+          <a:p>
+            <a:r>
+              <a:rPr lang="en-US" sz="2600" dirty="0">
+                <a:latin typeface="Arial" panose="020B0604020202020204" pitchFamily="34" charset="0"/>
+                <a:cs typeface="Arial" panose="020B0604020202020204" pitchFamily="34" charset="0"/>
+              </a:rPr>
+              <a:t>            Destroy(gameObject);</a:t>
+            </a:r>
+          </a:p>
+          <a:p>
+            <a:r>
+              <a:rPr lang="ru-RU" sz="2600" dirty="0">
+                <a:latin typeface="Arial" panose="020B0604020202020204" pitchFamily="34" charset="0"/>
+                <a:cs typeface="Arial" panose="020B0604020202020204" pitchFamily="34" charset="0"/>
+              </a:rPr>
+              <a:t>        }</a:t>
+            </a:r>
+          </a:p>
+          <a:p>
+            <a:r>
+              <a:rPr lang="ru-RU" sz="2600" dirty="0">
+                <a:latin typeface="Arial" panose="020B0604020202020204" pitchFamily="34" charset="0"/>
+                <a:cs typeface="Arial" panose="020B0604020202020204" pitchFamily="34" charset="0"/>
+              </a:rPr>
+              <a:t>    }</a:t>
+            </a:r>
+          </a:p>
+        </p:txBody>
+      </p:sp>
+    </p:spTree>
+    <p:extLst>
+      <p:ext uri="{BB962C8B-B14F-4D97-AF65-F5344CB8AC3E}">
+        <p14:creationId xmlns:p14="http://schemas.microsoft.com/office/powerpoint/2010/main" val="1154486792"/>
       </p:ext>
     </p:extLst>
   </p:cSld>
